--- a/assets uarm/2019 sol-penscri-justfilpol/S E B Ago2019/J Butler UNIDAD 2.pptx
+++ b/assets uarm/2019 sol-penscri-justfilpol/S E B Ago2019/J Butler UNIDAD 2.pptx
@@ -22,9 +22,12 @@
     <p:sldId id="277" r:id="rId16"/>
     <p:sldId id="261" r:id="rId17"/>
     <p:sldId id="269" r:id="rId18"/>
-    <p:sldId id="270" r:id="rId19"/>
-    <p:sldId id="263" r:id="rId20"/>
-    <p:sldId id="278" r:id="rId21"/>
+    <p:sldId id="279" r:id="rId19"/>
+    <p:sldId id="280" r:id="rId20"/>
+    <p:sldId id="281" r:id="rId21"/>
+    <p:sldId id="263" r:id="rId22"/>
+    <p:sldId id="278" r:id="rId23"/>
+    <p:sldId id="282" r:id="rId24"/>
   </p:sldIdLst>
   <p:sldSz cx="12192000" cy="6858000"/>
   <p:notesSz cx="6858000" cy="9144000"/>
@@ -262,7 +265,7 @@
           <a:p>
             <a:fld id="{75100674-2E3D-4018-89FD-E41BDA37EBD2}" type="datetimeFigureOut">
               <a:rPr lang="es-PE" smtClean="0"/>
-              <a:t>11/09/2019</a:t>
+              <a:t>12/09/2019</a:t>
             </a:fld>
             <a:endParaRPr lang="es-PE"/>
           </a:p>
@@ -432,7 +435,7 @@
           <a:p>
             <a:fld id="{75100674-2E3D-4018-89FD-E41BDA37EBD2}" type="datetimeFigureOut">
               <a:rPr lang="es-PE" smtClean="0"/>
-              <a:t>11/09/2019</a:t>
+              <a:t>12/09/2019</a:t>
             </a:fld>
             <a:endParaRPr lang="es-PE"/>
           </a:p>
@@ -612,7 +615,7 @@
           <a:p>
             <a:fld id="{75100674-2E3D-4018-89FD-E41BDA37EBD2}" type="datetimeFigureOut">
               <a:rPr lang="es-PE" smtClean="0"/>
-              <a:t>11/09/2019</a:t>
+              <a:t>12/09/2019</a:t>
             </a:fld>
             <a:endParaRPr lang="es-PE"/>
           </a:p>
@@ -782,7 +785,7 @@
           <a:p>
             <a:fld id="{75100674-2E3D-4018-89FD-E41BDA37EBD2}" type="datetimeFigureOut">
               <a:rPr lang="es-PE" smtClean="0"/>
-              <a:t>11/09/2019</a:t>
+              <a:t>12/09/2019</a:t>
             </a:fld>
             <a:endParaRPr lang="es-PE"/>
           </a:p>
@@ -1028,7 +1031,7 @@
           <a:p>
             <a:fld id="{75100674-2E3D-4018-89FD-E41BDA37EBD2}" type="datetimeFigureOut">
               <a:rPr lang="es-PE" smtClean="0"/>
-              <a:t>11/09/2019</a:t>
+              <a:t>12/09/2019</a:t>
             </a:fld>
             <a:endParaRPr lang="es-PE"/>
           </a:p>
@@ -1260,7 +1263,7 @@
           <a:p>
             <a:fld id="{75100674-2E3D-4018-89FD-E41BDA37EBD2}" type="datetimeFigureOut">
               <a:rPr lang="es-PE" smtClean="0"/>
-              <a:t>11/09/2019</a:t>
+              <a:t>12/09/2019</a:t>
             </a:fld>
             <a:endParaRPr lang="es-PE"/>
           </a:p>
@@ -1627,7 +1630,7 @@
           <a:p>
             <a:fld id="{75100674-2E3D-4018-89FD-E41BDA37EBD2}" type="datetimeFigureOut">
               <a:rPr lang="es-PE" smtClean="0"/>
-              <a:t>11/09/2019</a:t>
+              <a:t>12/09/2019</a:t>
             </a:fld>
             <a:endParaRPr lang="es-PE"/>
           </a:p>
@@ -1745,7 +1748,7 @@
           <a:p>
             <a:fld id="{75100674-2E3D-4018-89FD-E41BDA37EBD2}" type="datetimeFigureOut">
               <a:rPr lang="es-PE" smtClean="0"/>
-              <a:t>11/09/2019</a:t>
+              <a:t>12/09/2019</a:t>
             </a:fld>
             <a:endParaRPr lang="es-PE"/>
           </a:p>
@@ -1840,7 +1843,7 @@
           <a:p>
             <a:fld id="{75100674-2E3D-4018-89FD-E41BDA37EBD2}" type="datetimeFigureOut">
               <a:rPr lang="es-PE" smtClean="0"/>
-              <a:t>11/09/2019</a:t>
+              <a:t>12/09/2019</a:t>
             </a:fld>
             <a:endParaRPr lang="es-PE"/>
           </a:p>
@@ -2117,7 +2120,7 @@
           <a:p>
             <a:fld id="{75100674-2E3D-4018-89FD-E41BDA37EBD2}" type="datetimeFigureOut">
               <a:rPr lang="es-PE" smtClean="0"/>
-              <a:t>11/09/2019</a:t>
+              <a:t>12/09/2019</a:t>
             </a:fld>
             <a:endParaRPr lang="es-PE"/>
           </a:p>
@@ -2370,7 +2373,7 @@
           <a:p>
             <a:fld id="{75100674-2E3D-4018-89FD-E41BDA37EBD2}" type="datetimeFigureOut">
               <a:rPr lang="es-PE" smtClean="0"/>
-              <a:t>11/09/2019</a:t>
+              <a:t>12/09/2019</a:t>
             </a:fld>
             <a:endParaRPr lang="es-PE"/>
           </a:p>
@@ -2583,7 +2586,7 @@
           <a:p>
             <a:fld id="{75100674-2E3D-4018-89FD-E41BDA37EBD2}" type="datetimeFigureOut">
               <a:rPr lang="es-PE" smtClean="0"/>
-              <a:t>11/09/2019</a:t>
+              <a:t>12/09/2019</a:t>
             </a:fld>
             <a:endParaRPr lang="es-PE"/>
           </a:p>
@@ -3273,23 +3276,7 @@
             </a:r>
             <a:r>
               <a:rPr lang="es-PE" dirty="0" smtClean="0"/>
-              <a:t>.” (Ib.) Cabe resaltar </a:t>
-            </a:r>
-            <a:r>
-              <a:rPr lang="es-PE" dirty="0" smtClean="0"/>
-              <a:t>que, de acuerdo a Butler, </a:t>
-            </a:r>
-            <a:r>
-              <a:rPr lang="es-PE" dirty="0" smtClean="0"/>
-              <a:t>la resistencia se </a:t>
-            </a:r>
-            <a:r>
-              <a:rPr lang="es-PE" dirty="0" smtClean="0"/>
-              <a:t>reduce, determina </a:t>
-            </a:r>
-            <a:r>
-              <a:rPr lang="es-PE" dirty="0" smtClean="0"/>
-              <a:t>y circunscribe en las posibilidades o grietas que deja la estructura de poder. </a:t>
+              <a:t>.” (Ib.) Cabe resaltar que, de acuerdo a Butler, la resistencia se reduce, determina y circunscribe en las posibilidades o grietas que deja la estructura de poder. </a:t>
             </a:r>
           </a:p>
           <a:p>
@@ -4362,21 +4349,103 @@
             <p:ph idx="1"/>
           </p:nvPr>
         </p:nvSpPr>
-        <p:spPr/>
-        <p:txBody>
-          <a:bodyPr/>
+        <p:spPr>
+          <a:xfrm>
+            <a:off x="838200" y="1554480"/>
+            <a:ext cx="5405846" cy="5042263"/>
+          </a:xfrm>
+        </p:spPr>
+        <p:txBody>
+          <a:bodyPr>
+            <a:normAutofit fontScale="62500" lnSpcReduction="20000"/>
+          </a:bodyPr>
           <a:lstStyle/>
           <a:p>
+            <a:pPr algn="just"/>
             <a:r>
               <a:rPr lang="es-PE" dirty="0" smtClean="0"/>
-              <a:t>El Reglamento de Género</a:t>
-            </a:r>
-          </a:p>
-          <a:p>
+              <a:t>Butler discute el </a:t>
+            </a:r>
+            <a:r>
+              <a:rPr lang="es-PE" dirty="0" smtClean="0"/>
+              <a:t>Reglamento de </a:t>
+            </a:r>
+            <a:r>
+              <a:rPr lang="es-PE" dirty="0" smtClean="0"/>
+              <a:t>Género. La idea de reglamento sugiere</a:t>
+            </a:r>
+            <a:r>
+              <a:rPr lang="es-PE" dirty="0" smtClean="0"/>
+              <a:t> una institucionalización, la imposición de leyes, la regulación de individuos y un conjunto de reglas normativas. </a:t>
+            </a:r>
+          </a:p>
+          <a:p>
+            <a:pPr algn="just"/>
+            <a:r>
+              <a:rPr lang="es-PE" dirty="0" smtClean="0"/>
+              <a:t>Regular el género supone algo más que someterlo a un reglamento. Butler plantea que el género no prexiste ante la regulación, es decir, que es una construcción que surge por una regulaci</a:t>
+            </a:r>
+            <a:r>
+              <a:rPr lang="es-PE" dirty="0" smtClean="0"/>
+              <a:t>ón misma, pero que no es algo antes propiamente. </a:t>
+            </a:r>
+          </a:p>
+          <a:p>
+            <a:pPr algn="just"/>
+            <a:r>
+              <a:rPr lang="es-PE" dirty="0" smtClean="0"/>
+              <a:t>Siguiendo a Foucault, el sujeto ve modificada su conformación al participar de un poder regulador, en el sentido en que deviene precisamente como sujeto en virtud del discurso que le preforma. Así “los tipos de reglamentos pueden entenderse como casos específicos de un poder regulador más general” (p. 68)</a:t>
+            </a:r>
+          </a:p>
+          <a:p>
+            <a:pPr algn="just"/>
+            <a:r>
+              <a:rPr lang="es-PE" dirty="0" smtClean="0"/>
+              <a:t>En este sentido el género, por sí mismo, supone una normatividad, en el sentido en que se </a:t>
+            </a:r>
+            <a:r>
+              <a:rPr lang="es-PE" i="1" dirty="0" smtClean="0"/>
+              <a:t>normaliza</a:t>
+            </a:r>
+            <a:r>
+              <a:rPr lang="es-PE" dirty="0" smtClean="0"/>
+              <a:t> cierto estándar. De acuerdo a lo anterior, podremos referir cómo la norma de género está incorporada en algún sentido en el individuo social y determina su inteligibilidad. </a:t>
+            </a:r>
+          </a:p>
+          <a:p>
+            <a:pPr algn="just"/>
+            <a:endParaRPr lang="es-PE" dirty="0" smtClean="0"/>
+          </a:p>
+          <a:p>
+            <a:pPr algn="just"/>
             <a:endParaRPr lang="es-PE" dirty="0"/>
           </a:p>
         </p:txBody>
       </p:sp>
+      <p:pic>
+        <p:nvPicPr>
+          <p:cNvPr id="4" name="Imagen 3"/>
+          <p:cNvPicPr>
+            <a:picLocks noChangeAspect="1"/>
+          </p:cNvPicPr>
+          <p:nvPr/>
+        </p:nvPicPr>
+        <p:blipFill>
+          <a:blip r:embed="rId2"/>
+          <a:stretch>
+            <a:fillRect/>
+          </a:stretch>
+        </p:blipFill>
+        <p:spPr>
+          <a:xfrm>
+            <a:off x="6374919" y="1554480"/>
+            <a:ext cx="4978881" cy="4376057"/>
+          </a:xfrm>
+          <a:prstGeom prst="rect">
+            <a:avLst/>
+          </a:prstGeom>
+        </p:spPr>
+      </p:pic>
     </p:spTree>
     <p:extLst>
       <p:ext uri="{BB962C8B-B14F-4D97-AF65-F5344CB8AC3E}">
@@ -4409,80 +4478,154 @@
       </p:grpSpPr>
       <p:sp>
         <p:nvSpPr>
-          <p:cNvPr id="2" name="Título 1"/>
-          <p:cNvSpPr>
-            <a:spLocks noGrp="1"/>
-          </p:cNvSpPr>
-          <p:nvPr>
-            <p:ph type="title"/>
-          </p:nvPr>
-        </p:nvSpPr>
-        <p:spPr/>
+          <p:cNvPr id="3" name="Marcador de contenido 2"/>
+          <p:cNvSpPr>
+            <a:spLocks noGrp="1"/>
+          </p:cNvSpPr>
+          <p:nvPr>
+            <p:ph idx="1"/>
+          </p:nvPr>
+        </p:nvSpPr>
+        <p:spPr>
+          <a:xfrm>
+            <a:off x="5133702" y="703385"/>
+            <a:ext cx="6220097" cy="5473578"/>
+          </a:xfrm>
+        </p:spPr>
         <p:txBody>
           <a:bodyPr>
-            <a:normAutofit/>
+            <a:normAutofit fontScale="70000" lnSpcReduction="20000"/>
           </a:bodyPr>
           <a:lstStyle/>
           <a:p>
-            <a:pPr lvl="0" algn="ctr"/>
-            <a:r>
-              <a:rPr lang="es-PE" sz="3200" dirty="0"/>
-              <a:t>Pérez Navarro. </a:t>
-            </a:r>
-            <a:r>
-              <a:rPr lang="es-PE" sz="3200" i="1" dirty="0"/>
-              <a:t>Del texto al sexo: Judith Butler</a:t>
-            </a:r>
-            <a:r>
-              <a:rPr lang="es-PE" sz="3200" dirty="0"/>
-              <a:t>. pp. </a:t>
-            </a:r>
-            <a:r>
-              <a:rPr lang="es-PE" sz="3200" dirty="0" smtClean="0"/>
-              <a:t>112-131</a:t>
-            </a:r>
-            <a:endParaRPr lang="es-PE" sz="3200" dirty="0"/>
-          </a:p>
-        </p:txBody>
-      </p:sp>
-      <p:sp>
-        <p:nvSpPr>
-          <p:cNvPr id="3" name="Marcador de contenido 2"/>
-          <p:cNvSpPr>
-            <a:spLocks noGrp="1"/>
-          </p:cNvSpPr>
-          <p:nvPr>
-            <p:ph idx="1"/>
-          </p:nvPr>
-        </p:nvSpPr>
-        <p:spPr/>
-        <p:txBody>
-          <a:bodyPr/>
-          <a:lstStyle/>
-          <a:p>
+            <a:pPr algn="just"/>
+            <a:r>
+              <a:rPr lang="es-PE" dirty="0"/>
+              <a:t>En este sentido, estar “fuera de la norma” supone una paradoja, “porque si la norma convierte el campo social en inteligible y normaliza este campo, entonces estar fuera de la norma es, en cierto sentido, estar definido todavía en relación con ella.” (p.69</a:t>
+            </a:r>
             <a:r>
               <a:rPr lang="es-PE" dirty="0" smtClean="0"/>
-              <a:t>Cuerpo, Discurso, </a:t>
+              <a:t>)</a:t>
+            </a:r>
+          </a:p>
+          <a:p>
+            <a:pPr algn="just"/>
+            <a:r>
+              <a:rPr lang="es-PE" dirty="0" smtClean="0"/>
+              <a:t>Butler nos refiere lo siguiente: “El género no es exactamente lo que uno &lt;</a:t>
+            </a:r>
+            <a:r>
+              <a:rPr lang="es-PE" i="1" dirty="0" smtClean="0"/>
+              <a:t>es</a:t>
+            </a:r>
+            <a:r>
+              <a:rPr lang="es-PE" dirty="0" smtClean="0"/>
+              <a:t>&gt; ni tampoco precisamente lo que uno </a:t>
+            </a:r>
+            <a:r>
+              <a:rPr lang="es-PE" i="1" dirty="0" smtClean="0"/>
+              <a:t>&lt;tiene&gt;, </a:t>
+            </a:r>
+            <a:r>
+              <a:rPr lang="es-PE" dirty="0" smtClean="0"/>
+              <a:t>El género es el aparato a través del cual tiene lugar la producción y normalización de lo masculino y lo femenino junto con las formas intersticiales hormonales, cromosómicas, psíquicas y </a:t>
             </a:r>
             <a:r>
               <a:rPr lang="es-PE" dirty="0" err="1" smtClean="0"/>
-              <a:t>Performatividad</a:t>
-            </a:r>
-            <a:endParaRPr lang="es-PE" dirty="0" smtClean="0"/>
-          </a:p>
-          <a:p>
+              <a:t>performativas</a:t>
+            </a:r>
             <a:r>
               <a:rPr lang="es-PE" dirty="0" smtClean="0"/>
-              <a:t>El lugar de lo abyecto</a:t>
+              <a:t> que el género asume. Asumir que el género implica única y exclusivamente la matriz de los masculino y lo femenino es precisamente no comprender que la producción de la coherencia binaria es contingente, que tiene un coste, y que aquellas permutaciones del género que no cuadran con el binario forman parte del género tanto como su ejemplo más normativo.” (p.70)</a:t>
+            </a:r>
+          </a:p>
+          <a:p>
+            <a:pPr algn="just"/>
+            <a:r>
+              <a:rPr lang="es-PE" dirty="0" smtClean="0"/>
+              <a:t>De este modo Butler plantea que el género puede “desplazarse más allá del binario naturalizado” (</a:t>
+            </a:r>
+            <a:r>
+              <a:rPr lang="es-PE" i="1" dirty="0" smtClean="0"/>
+              <a:t>Ib.</a:t>
+            </a:r>
+            <a:r>
+              <a:rPr lang="es-PE" dirty="0" smtClean="0"/>
+              <a:t>)</a:t>
             </a:r>
             <a:endParaRPr lang="es-PE" dirty="0"/>
           </a:p>
         </p:txBody>
       </p:sp>
+      <p:pic>
+        <p:nvPicPr>
+          <p:cNvPr id="6" name="Imagen 5"/>
+          <p:cNvPicPr>
+            <a:picLocks noChangeAspect="1"/>
+          </p:cNvPicPr>
+          <p:nvPr/>
+        </p:nvPicPr>
+        <p:blipFill>
+          <a:blip r:embed="rId2"/>
+          <a:stretch>
+            <a:fillRect/>
+          </a:stretch>
+        </p:blipFill>
+        <p:spPr>
+          <a:xfrm>
+            <a:off x="523544" y="559694"/>
+            <a:ext cx="4610158" cy="3515918"/>
+          </a:xfrm>
+          <a:prstGeom prst="rect">
+            <a:avLst/>
+          </a:prstGeom>
+        </p:spPr>
+      </p:pic>
+      <p:pic>
+        <p:nvPicPr>
+          <p:cNvPr id="1030" name="Picture 6" descr="Image result for variedad sexual"/>
+          <p:cNvPicPr>
+            <a:picLocks noChangeAspect="1" noChangeArrowheads="1"/>
+          </p:cNvPicPr>
+          <p:nvPr/>
+        </p:nvPicPr>
+        <p:blipFill>
+          <a:blip r:embed="rId3">
+            <a:extLst>
+              <a:ext uri="{28A0092B-C50C-407E-A947-70E740481C1C}">
+                <a14:useLocalDpi xmlns:a14="http://schemas.microsoft.com/office/drawing/2010/main" val="0"/>
+              </a:ext>
+            </a:extLst>
+          </a:blip>
+          <a:srcRect/>
+          <a:stretch>
+            <a:fillRect/>
+          </a:stretch>
+        </p:blipFill>
+        <p:spPr bwMode="auto">
+          <a:xfrm>
+            <a:off x="1383484" y="4075612"/>
+            <a:ext cx="3123272" cy="2339975"/>
+          </a:xfrm>
+          <a:prstGeom prst="rect">
+            <a:avLst/>
+          </a:prstGeom>
+          <a:noFill/>
+          <a:extLst>
+            <a:ext uri="{909E8E84-426E-40DD-AFC4-6F175D3DCCD1}">
+              <a14:hiddenFill xmlns:a14="http://schemas.microsoft.com/office/drawing/2010/main">
+                <a:solidFill>
+                  <a:srgbClr val="FFFFFF"/>
+                </a:solidFill>
+              </a14:hiddenFill>
+            </a:ext>
+          </a:extLst>
+        </p:spPr>
+      </p:pic>
     </p:spTree>
     <p:extLst>
       <p:ext uri="{BB962C8B-B14F-4D97-AF65-F5344CB8AC3E}">
-        <p14:creationId xmlns:p14="http://schemas.microsoft.com/office/powerpoint/2010/main" val="3107345729"/>
+        <p14:creationId xmlns:p14="http://schemas.microsoft.com/office/powerpoint/2010/main" val="3076923601"/>
       </p:ext>
     </p:extLst>
   </p:cSld>
@@ -4511,134 +4654,133 @@
       </p:grpSpPr>
       <p:sp>
         <p:nvSpPr>
-          <p:cNvPr id="2" name="Título 1"/>
-          <p:cNvSpPr>
-            <a:spLocks noGrp="1"/>
-          </p:cNvSpPr>
-          <p:nvPr>
-            <p:ph type="title"/>
+          <p:cNvPr id="3" name="Marcador de contenido 2"/>
+          <p:cNvSpPr>
+            <a:spLocks noGrp="1"/>
+          </p:cNvSpPr>
+          <p:nvPr>
+            <p:ph idx="1"/>
           </p:nvPr>
         </p:nvSpPr>
         <p:spPr>
           <a:xfrm>
-            <a:off x="838200" y="365126"/>
-            <a:ext cx="10515600" cy="771344"/>
+            <a:off x="156753" y="1110342"/>
+            <a:ext cx="7800703" cy="5510757"/>
           </a:xfrm>
         </p:spPr>
         <p:txBody>
-          <a:bodyPr/>
-          <a:lstStyle/>
-          <a:p>
-            <a:pPr algn="ctr"/>
-            <a:r>
-              <a:rPr lang="es-PE" b="1" u="sng" dirty="0" smtClean="0">
-                <a:solidFill>
-                  <a:srgbClr val="FF0000"/>
-                </a:solidFill>
-              </a:rPr>
-              <a:t>Actividad para la Unidad 2:</a:t>
-            </a:r>
-            <a:endParaRPr lang="es-PE" dirty="0">
-              <a:solidFill>
-                <a:srgbClr val="FF0000"/>
-              </a:solidFill>
-            </a:endParaRPr>
-          </a:p>
-        </p:txBody>
-      </p:sp>
-      <p:sp>
-        <p:nvSpPr>
-          <p:cNvPr id="3" name="Marcador de contenido 2"/>
-          <p:cNvSpPr>
-            <a:spLocks noGrp="1"/>
-          </p:cNvSpPr>
-          <p:nvPr>
-            <p:ph idx="1"/>
-          </p:nvPr>
-        </p:nvSpPr>
-        <p:spPr>
-          <a:xfrm>
-            <a:off x="838200" y="1306286"/>
-            <a:ext cx="10515600" cy="3398236"/>
-          </a:xfrm>
-        </p:spPr>
-        <p:txBody>
           <a:bodyPr>
-            <a:normAutofit fontScale="62500" lnSpcReduction="20000"/>
+            <a:normAutofit fontScale="77500" lnSpcReduction="20000"/>
           </a:bodyPr>
           <a:lstStyle/>
           <a:p>
             <a:pPr algn="just"/>
             <a:r>
-              <a:rPr lang="es-PE" sz="3800" dirty="0" smtClean="0"/>
-              <a:t>De acuerdo a lo visto, la idea de “cuerpo” puede entenderse como aquella materialidad que puede pensarse como potencialmente el punto de partida para la identidad de una persona, pero no podemos negar su aspecto “</a:t>
-            </a:r>
-            <a:r>
-              <a:rPr lang="es-PE" sz="3800" dirty="0" err="1" smtClean="0"/>
-              <a:t>deseante</a:t>
-            </a:r>
-            <a:r>
-              <a:rPr lang="es-PE" sz="3800" dirty="0" smtClean="0"/>
-              <a:t>” más allá de las estructuras e imposiciones sociales que forman a la persona desde muy temprano. </a:t>
+              <a:rPr lang="es-PE" dirty="0" smtClean="0"/>
+              <a:t>Butler discute las normas y el problema de la abstracción. Señala el modo en que se produce a los individuos mediante un discurso que activamente les determina y construye. Así la norma representa una medida o modo estándar de producir, y en ese sentido: “convertirse en un ejemplo de la norma no es agotarla totalmente, sino más bien estar sujeto a la </a:t>
+            </a:r>
+            <a:r>
+              <a:rPr lang="es-PE" dirty="0" smtClean="0">
+                <a:solidFill>
+                  <a:srgbClr val="FF0000"/>
+                </a:solidFill>
+              </a:rPr>
+              <a:t>abstracción de la </a:t>
+            </a:r>
+            <a:r>
+              <a:rPr lang="es-PE" dirty="0" err="1" smtClean="0">
+                <a:solidFill>
+                  <a:srgbClr val="FF0000"/>
+                </a:solidFill>
+              </a:rPr>
+              <a:t>comunalidad</a:t>
+            </a:r>
+            <a:r>
+              <a:rPr lang="es-PE" dirty="0" smtClean="0"/>
+              <a:t>.” (p. 80)</a:t>
             </a:r>
           </a:p>
           <a:p>
             <a:pPr algn="just"/>
             <a:r>
-              <a:rPr lang="es-PE" sz="3800" dirty="0" smtClean="0"/>
-              <a:t>Recordemos que, de acuerdo a Butler, la materia puede entenderse como causa y parte de la forma, es decir la materia no sólo origina, sino que compone aquello a lo que da significado: la consideración de cuerpo, bajo este concepto, nos indica que lo corpóreo podría no ser meramente un vehículo instrumental para el desarrollo y edificación personal de una construcción social, sino que, desde esta perspectiva, podemos considerar lo corpóreo como un fin en sí mismo.</a:t>
-            </a:r>
-          </a:p>
-          <a:p>
+              <a:rPr lang="es-PE" dirty="0" smtClean="0"/>
+              <a:t>En palabras del sociólogo </a:t>
+            </a:r>
+            <a:r>
+              <a:rPr lang="es-PE" dirty="0" err="1" smtClean="0"/>
+              <a:t>Ewald</a:t>
+            </a:r>
+            <a:r>
+              <a:rPr lang="es-PE" dirty="0" smtClean="0"/>
+              <a:t>, citado en Butler, la norma es un principio para la comparación, es decir, plantea una </a:t>
+            </a:r>
+            <a:r>
+              <a:rPr lang="es-PE" dirty="0" smtClean="0">
+                <a:solidFill>
+                  <a:srgbClr val="FF0000"/>
+                </a:solidFill>
+              </a:rPr>
+              <a:t>medida común </a:t>
+            </a:r>
+            <a:r>
+              <a:rPr lang="es-PE" dirty="0" smtClean="0"/>
+              <a:t>que se establece como una referencia social. Siguiendo a Foucault, la norma integra todo lo que escapa de ella. </a:t>
+            </a:r>
+          </a:p>
+          <a:p>
+            <a:pPr algn="just"/>
+            <a:r>
+              <a:rPr lang="es-PE" dirty="0" smtClean="0"/>
+              <a:t>De acuerdo a </a:t>
+            </a:r>
+            <a:r>
+              <a:rPr lang="es-PE" dirty="0" err="1" smtClean="0"/>
+              <a:t>Macheray</a:t>
+            </a:r>
+            <a:r>
+              <a:rPr lang="es-PE" dirty="0" smtClean="0"/>
+              <a:t>, la norma solo subsiste en cuanto es actuada. Así, Butler concluye: “La norma no es externa al campo de su aplicación. La norma no sólo es responsable de producir el campo de su aplicación, según </a:t>
+            </a:r>
+            <a:r>
+              <a:rPr lang="es-PE" dirty="0" err="1" smtClean="0"/>
+              <a:t>Macheray</a:t>
+            </a:r>
+            <a:r>
+              <a:rPr lang="es-PE" dirty="0" smtClean="0"/>
+              <a:t>, sino que la norma se produce a ella misma en la producción de aquel campo. La norma confiere realidad activamente; de hecho, la norma se constituye como tal sólo en virtud de la repetición de su poder para conferir realidad.” (p.83)</a:t>
+            </a:r>
             <a:endParaRPr lang="es-PE" dirty="0"/>
           </a:p>
         </p:txBody>
       </p:sp>
       <p:pic>
         <p:nvPicPr>
-          <p:cNvPr id="10242" name="Picture 2" descr="Image result for genero en construccion"/>
+          <p:cNvPr id="4" name="Imagen 3"/>
           <p:cNvPicPr>
-            <a:picLocks noChangeAspect="1" noChangeArrowheads="1"/>
+            <a:picLocks noChangeAspect="1"/>
           </p:cNvPicPr>
           <p:nvPr/>
         </p:nvPicPr>
         <p:blipFill>
-          <a:blip r:embed="rId2">
-            <a:extLst>
-              <a:ext uri="{28A0092B-C50C-407E-A947-70E740481C1C}">
-                <a14:useLocalDpi xmlns:a14="http://schemas.microsoft.com/office/drawing/2010/main" val="0"/>
-              </a:ext>
-            </a:extLst>
-          </a:blip>
-          <a:srcRect/>
+          <a:blip r:embed="rId2"/>
           <a:stretch>
             <a:fillRect/>
           </a:stretch>
         </p:blipFill>
-        <p:spPr bwMode="auto">
+        <p:spPr>
           <a:xfrm>
-            <a:off x="2416797" y="4426861"/>
-            <a:ext cx="7032003" cy="2298617"/>
+            <a:off x="8136255" y="1498963"/>
+            <a:ext cx="3476625" cy="3886200"/>
           </a:xfrm>
           <a:prstGeom prst="rect">
             <a:avLst/>
           </a:prstGeom>
-          <a:noFill/>
-          <a:extLst>
-            <a:ext uri="{909E8E84-426E-40DD-AFC4-6F175D3DCCD1}">
-              <a14:hiddenFill xmlns:a14="http://schemas.microsoft.com/office/drawing/2010/main">
-                <a:solidFill>
-                  <a:srgbClr val="FFFFFF"/>
-                </a:solidFill>
-              </a14:hiddenFill>
-            </a:ext>
-          </a:extLst>
         </p:spPr>
       </p:pic>
     </p:spTree>
     <p:extLst>
       <p:ext uri="{BB962C8B-B14F-4D97-AF65-F5344CB8AC3E}">
-        <p14:creationId xmlns:p14="http://schemas.microsoft.com/office/powerpoint/2010/main" val="185837483"/>
+        <p14:creationId xmlns:p14="http://schemas.microsoft.com/office/powerpoint/2010/main" val="2686360623"/>
       </p:ext>
     </p:extLst>
   </p:cSld>
@@ -4850,23 +4992,7 @@
                   <a:srgbClr val="FF0000"/>
                 </a:solidFill>
               </a:rPr>
-              <a:t>se </a:t>
-            </a:r>
-            <a:r>
-              <a:rPr lang="es-PE" sz="1600" u="sng" dirty="0" smtClean="0">
-                <a:solidFill>
-                  <a:srgbClr val="FF0000"/>
-                </a:solidFill>
-              </a:rPr>
-              <a:t>vinculan </a:t>
-            </a:r>
-            <a:r>
-              <a:rPr lang="es-PE" sz="1600" u="sng" dirty="0" smtClean="0">
-                <a:solidFill>
-                  <a:srgbClr val="FF0000"/>
-                </a:solidFill>
-              </a:rPr>
-              <a:t>la materia, el origen y la significación</a:t>
+              <a:t>se vinculan la materia, el origen y la significación</a:t>
             </a:r>
             <a:r>
               <a:rPr lang="es-PE" sz="1600" dirty="0" smtClean="0"/>
@@ -4962,18 +5088,443 @@
         </p:nvSpPr>
         <p:spPr>
           <a:xfrm>
-            <a:off x="838199" y="3617844"/>
-            <a:ext cx="10515600" cy="2850666"/>
+            <a:off x="838200" y="3043645"/>
+            <a:ext cx="10515600" cy="3681957"/>
           </a:xfrm>
         </p:spPr>
         <p:txBody>
           <a:bodyPr>
-            <a:normAutofit fontScale="55000" lnSpcReduction="20000"/>
+            <a:normAutofit fontScale="47500" lnSpcReduction="20000"/>
           </a:bodyPr>
           <a:lstStyle/>
           <a:p>
             <a:pPr algn="just"/>
             <a:r>
+              <a:rPr lang="es-PE" dirty="0" smtClean="0"/>
+              <a:t>Así, llegamos a las normas de género; Butler nos dice “el campo de la realidad que crean las normas de género constituye el telón de fondo sobre el cual aparece el género en sus dimensiones idealizadas” (p.83)</a:t>
+            </a:r>
+          </a:p>
+          <a:p>
+            <a:pPr algn="just"/>
+            <a:r>
+              <a:rPr lang="es-PE" dirty="0" smtClean="0"/>
+              <a:t>Señala que las normas son invocadas y citadas por prácticas corporales en el sentido en que “se re-producen”, es decir la norma se realiza </a:t>
+            </a:r>
+            <a:r>
+              <a:rPr lang="es-PE" dirty="0" err="1" smtClean="0"/>
+              <a:t>performativamente</a:t>
+            </a:r>
+            <a:r>
+              <a:rPr lang="es-PE" dirty="0" smtClean="0"/>
+              <a:t>.</a:t>
+            </a:r>
+          </a:p>
+          <a:p>
+            <a:pPr algn="just"/>
+            <a:r>
+              <a:rPr lang="es-PE" dirty="0" smtClean="0"/>
+              <a:t>La reglamentación es necesaria para que los individuos estén en condiciones de inteligibilidad cultural y social. Desviarse de la norma, socialmente, es visto como algo abyecto e irrumpe el proceso regulador de la normatividad binaria, de modo que la diferencia queda aniquilada.</a:t>
+            </a:r>
+          </a:p>
+          <a:p>
+            <a:pPr algn="just"/>
+            <a:r>
+              <a:rPr lang="es-PE" dirty="0" smtClean="0"/>
+              <a:t>Butler nos dice lo siguiente: “La corrección quirúrgica de los niños </a:t>
+            </a:r>
+            <a:r>
+              <a:rPr lang="es-PE" dirty="0" err="1" smtClean="0"/>
+              <a:t>intersexuados</a:t>
+            </a:r>
+            <a:r>
+              <a:rPr lang="es-PE" dirty="0" smtClean="0"/>
+              <a:t> es un caso relevante. En </a:t>
+            </a:r>
+            <a:r>
+              <a:rPr lang="es-PE" dirty="0"/>
+              <a:t>este caso se argumenta que los niños </a:t>
+            </a:r>
+            <a:r>
+              <a:rPr lang="es-PE" dirty="0" smtClean="0"/>
+              <a:t>nacidos </a:t>
+            </a:r>
+            <a:r>
+              <a:rPr lang="es-PE" dirty="0"/>
+              <a:t>con unas características sexuales primarias irregulares </a:t>
+            </a:r>
+            <a:r>
+              <a:rPr lang="es-PE" dirty="0" smtClean="0"/>
+              <a:t>tienen </a:t>
+            </a:r>
+            <a:r>
+              <a:rPr lang="es-PE" dirty="0"/>
+              <a:t>que ser «corregidos» para encajar, para </a:t>
+            </a:r>
+            <a:r>
+              <a:rPr lang="es-PE" dirty="0" smtClean="0"/>
+              <a:t>sentirse </a:t>
+            </a:r>
+            <a:r>
+              <a:rPr lang="es-PE" dirty="0"/>
+              <a:t>más </a:t>
+            </a:r>
+            <a:r>
+              <a:rPr lang="es-PE" dirty="0" smtClean="0"/>
+              <a:t>cómodos </a:t>
+            </a:r>
+            <a:r>
+              <a:rPr lang="es-PE" dirty="0"/>
+              <a:t>y para conseguir la normalidad. La cirugía correctiva </a:t>
+            </a:r>
+            <a:r>
+              <a:rPr lang="es-PE" dirty="0" smtClean="0"/>
+              <a:t>se realiza </a:t>
+            </a:r>
+            <a:r>
+              <a:rPr lang="es-PE" dirty="0"/>
+              <a:t>con el apoyo paterno y en aras de la normalización; </a:t>
+            </a:r>
+            <a:r>
+              <a:rPr lang="es-PE" dirty="0" smtClean="0"/>
+              <a:t>sin embargo</a:t>
+            </a:r>
+            <a:r>
+              <a:rPr lang="es-PE" dirty="0"/>
+              <a:t>, se ha comprobado que los costes físicos y </a:t>
+            </a:r>
+            <a:r>
+              <a:rPr lang="es-PE" dirty="0" smtClean="0"/>
+              <a:t>psíquicos de </a:t>
+            </a:r>
+            <a:r>
+              <a:rPr lang="es-PE" dirty="0"/>
+              <a:t>la cirugía son enormes para aquellas personas que se han </a:t>
+            </a:r>
+            <a:r>
+              <a:rPr lang="es-PE" dirty="0" smtClean="0"/>
+              <a:t>sometido</a:t>
+            </a:r>
+            <a:r>
+              <a:rPr lang="es-PE" dirty="0"/>
+              <a:t>, por así decirlo, al bisturí de la norma. Los </a:t>
+            </a:r>
+            <a:r>
+              <a:rPr lang="es-PE" dirty="0" smtClean="0"/>
+              <a:t>cuerpos producidos </a:t>
+            </a:r>
+            <a:r>
+              <a:rPr lang="es-PE" dirty="0"/>
+              <a:t>a través de dicho forzado cumplimiento </a:t>
+            </a:r>
+            <a:r>
+              <a:rPr lang="es-PE" dirty="0" smtClean="0"/>
+              <a:t>regulatorio </a:t>
+            </a:r>
+            <a:r>
+              <a:rPr lang="es-PE" dirty="0"/>
+              <a:t>del género son cuerpos que sufren, que llevan las marcas </a:t>
+            </a:r>
+            <a:r>
+              <a:rPr lang="es-PE" dirty="0" smtClean="0"/>
+              <a:t>de la </a:t>
+            </a:r>
+            <a:r>
+              <a:rPr lang="es-PE" dirty="0"/>
+              <a:t>violencia y el dolor. Aquí la idealización de la morfología </a:t>
+            </a:r>
+            <a:r>
+              <a:rPr lang="es-PE" dirty="0" smtClean="0"/>
+              <a:t>del género </a:t>
+            </a:r>
+            <a:r>
+              <a:rPr lang="es-PE" dirty="0"/>
+              <a:t>se hace incidir literalmente en la carne." (p.84</a:t>
+            </a:r>
+            <a:r>
+              <a:rPr lang="es-PE" dirty="0" smtClean="0"/>
+              <a:t>)</a:t>
+            </a:r>
+          </a:p>
+          <a:p>
+            <a:pPr algn="just"/>
+            <a:r>
+              <a:rPr lang="es-PE" dirty="0" smtClean="0"/>
+              <a:t>El reglamento debería incorporar lo que excede la normatividad, regularizándolo, de acuerdo a lo establecido por </a:t>
+            </a:r>
+            <a:r>
+              <a:rPr lang="es-PE" dirty="0" err="1" smtClean="0"/>
+              <a:t>Ewald</a:t>
+            </a:r>
+            <a:r>
+              <a:rPr lang="es-PE" dirty="0" smtClean="0"/>
+              <a:t> y Foucault. Siguiendo su lógica, la normatividad plasma el ideal en la práctica y las opciones que trascienden lo binario deberían incluirse en el desenvolvimiento social, adaptando la norma dinámicamente, sin embargo, Butler concluye haciendo referencia al reglamento del ejército, en donde “actúan sobe la producción y el mantenimiento de la norma que rige quién es hombre o una mujer; qué es el habla y cuando hay o no sexualidad” (p. 88) </a:t>
+            </a:r>
+            <a:endParaRPr lang="es-PE" dirty="0"/>
+          </a:p>
+          <a:p>
+            <a:pPr algn="just"/>
+            <a:r>
+              <a:rPr lang="es-PE" dirty="0" smtClean="0"/>
+              <a:t>Ello supone que institucionalmente, hay claras muestras de una reglamentación reduccionista de algo que debería competer al espectro de las libertades individuales. Butler nos demuestra, de este modo, cómo está instituida una imposición de las reglas de género sin lugar a reformulaciones. </a:t>
+            </a:r>
+          </a:p>
+          <a:p>
+            <a:pPr algn="just"/>
+            <a:endParaRPr lang="es-PE" dirty="0"/>
+          </a:p>
+        </p:txBody>
+      </p:sp>
+      <p:pic>
+        <p:nvPicPr>
+          <p:cNvPr id="2050" name="Picture 2" descr="Image result for ejercito gay"/>
+          <p:cNvPicPr>
+            <a:picLocks noChangeAspect="1" noChangeArrowheads="1"/>
+          </p:cNvPicPr>
+          <p:nvPr/>
+        </p:nvPicPr>
+        <p:blipFill>
+          <a:blip r:embed="rId2">
+            <a:extLst>
+              <a:ext uri="{28A0092B-C50C-407E-A947-70E740481C1C}">
+                <a14:useLocalDpi xmlns:a14="http://schemas.microsoft.com/office/drawing/2010/main" val="0"/>
+              </a:ext>
+            </a:extLst>
+          </a:blip>
+          <a:srcRect/>
+          <a:stretch>
+            <a:fillRect/>
+          </a:stretch>
+        </p:blipFill>
+        <p:spPr bwMode="auto">
+          <a:xfrm>
+            <a:off x="3528559" y="224563"/>
+            <a:ext cx="5134881" cy="2547692"/>
+          </a:xfrm>
+          <a:prstGeom prst="rect">
+            <a:avLst/>
+          </a:prstGeom>
+          <a:noFill/>
+          <a:extLst>
+            <a:ext uri="{909E8E84-426E-40DD-AFC4-6F175D3DCCD1}">
+              <a14:hiddenFill xmlns:a14="http://schemas.microsoft.com/office/drawing/2010/main">
+                <a:solidFill>
+                  <a:srgbClr val="FFFFFF"/>
+                </a:solidFill>
+              </a14:hiddenFill>
+            </a:ext>
+          </a:extLst>
+        </p:spPr>
+      </p:pic>
+    </p:spTree>
+    <p:extLst>
+      <p:ext uri="{BB962C8B-B14F-4D97-AF65-F5344CB8AC3E}">
+        <p14:creationId xmlns:p14="http://schemas.microsoft.com/office/powerpoint/2010/main" val="604136280"/>
+      </p:ext>
+    </p:extLst>
+  </p:cSld>
+  <p:clrMapOvr>
+    <a:masterClrMapping/>
+  </p:clrMapOvr>
+</p:sld>
+</file>
+
+<file path=ppt/slides/slide21.xml><?xml version="1.0" encoding="utf-8"?>
+<p:sld xmlns:a="http://schemas.openxmlformats.org/drawingml/2006/main" xmlns:r="http://schemas.openxmlformats.org/officeDocument/2006/relationships" xmlns:p="http://schemas.openxmlformats.org/presentationml/2006/main">
+  <p:cSld>
+    <p:spTree>
+      <p:nvGrpSpPr>
+        <p:cNvPr id="1" name=""/>
+        <p:cNvGrpSpPr/>
+        <p:nvPr/>
+      </p:nvGrpSpPr>
+      <p:grpSpPr>
+        <a:xfrm>
+          <a:off x="0" y="0"/>
+          <a:ext cx="0" cy="0"/>
+          <a:chOff x="0" y="0"/>
+          <a:chExt cx="0" cy="0"/>
+        </a:xfrm>
+      </p:grpSpPr>
+      <p:sp>
+        <p:nvSpPr>
+          <p:cNvPr id="2" name="Título 1"/>
+          <p:cNvSpPr>
+            <a:spLocks noGrp="1"/>
+          </p:cNvSpPr>
+          <p:nvPr>
+            <p:ph type="title"/>
+          </p:nvPr>
+        </p:nvSpPr>
+        <p:spPr>
+          <a:xfrm>
+            <a:off x="838200" y="365126"/>
+            <a:ext cx="10515600" cy="771344"/>
+          </a:xfrm>
+        </p:spPr>
+        <p:txBody>
+          <a:bodyPr/>
+          <a:lstStyle/>
+          <a:p>
+            <a:pPr algn="ctr"/>
+            <a:r>
+              <a:rPr lang="es-PE" b="1" u="sng" dirty="0" smtClean="0">
+                <a:solidFill>
+                  <a:srgbClr val="FF0000"/>
+                </a:solidFill>
+              </a:rPr>
+              <a:t>Actividad para la Unidad 2:</a:t>
+            </a:r>
+            <a:endParaRPr lang="es-PE" dirty="0">
+              <a:solidFill>
+                <a:srgbClr val="FF0000"/>
+              </a:solidFill>
+            </a:endParaRPr>
+          </a:p>
+        </p:txBody>
+      </p:sp>
+      <p:sp>
+        <p:nvSpPr>
+          <p:cNvPr id="3" name="Marcador de contenido 2"/>
+          <p:cNvSpPr>
+            <a:spLocks noGrp="1"/>
+          </p:cNvSpPr>
+          <p:nvPr>
+            <p:ph idx="1"/>
+          </p:nvPr>
+        </p:nvSpPr>
+        <p:spPr>
+          <a:xfrm>
+            <a:off x="838200" y="1306286"/>
+            <a:ext cx="10515600" cy="3398236"/>
+          </a:xfrm>
+        </p:spPr>
+        <p:txBody>
+          <a:bodyPr>
+            <a:normAutofit fontScale="62500" lnSpcReduction="20000"/>
+          </a:bodyPr>
+          <a:lstStyle/>
+          <a:p>
+            <a:pPr algn="just"/>
+            <a:r>
+              <a:rPr lang="es-PE" sz="3800" dirty="0" smtClean="0"/>
+              <a:t>De acuerdo a lo visto, la idea de “cuerpo” puede entenderse como aquella materialidad que puede pensarse como potencialmente el punto de partida para la identidad de una persona, pero no podemos negar su aspecto “</a:t>
+            </a:r>
+            <a:r>
+              <a:rPr lang="es-PE" sz="3800" dirty="0" err="1" smtClean="0"/>
+              <a:t>deseante</a:t>
+            </a:r>
+            <a:r>
+              <a:rPr lang="es-PE" sz="3800" dirty="0" smtClean="0"/>
+              <a:t>” más allá de las estructuras e imposiciones sociales que forman a la persona desde muy temprano. </a:t>
+            </a:r>
+          </a:p>
+          <a:p>
+            <a:pPr algn="just"/>
+            <a:r>
+              <a:rPr lang="es-PE" sz="3800" dirty="0" smtClean="0"/>
+              <a:t>Recordemos que, de acuerdo a Butler, la materia puede entenderse como causa y parte de la forma, es decir la materia no sólo origina, sino que compone aquello a lo que da significado: la consideración de cuerpo, bajo este concepto, nos indica que lo corpóreo podría no ser meramente un vehículo instrumental para el desarrollo y edificación personal de una construcción social, sino que, desde esta perspectiva, podemos considerar lo corpóreo como un fin en sí mismo.</a:t>
+            </a:r>
+          </a:p>
+          <a:p>
+            <a:endParaRPr lang="es-PE" dirty="0"/>
+          </a:p>
+        </p:txBody>
+      </p:sp>
+      <p:pic>
+        <p:nvPicPr>
+          <p:cNvPr id="10242" name="Picture 2" descr="Image result for genero en construccion"/>
+          <p:cNvPicPr>
+            <a:picLocks noChangeAspect="1" noChangeArrowheads="1"/>
+          </p:cNvPicPr>
+          <p:nvPr/>
+        </p:nvPicPr>
+        <p:blipFill>
+          <a:blip r:embed="rId2">
+            <a:extLst>
+              <a:ext uri="{28A0092B-C50C-407E-A947-70E740481C1C}">
+                <a14:useLocalDpi xmlns:a14="http://schemas.microsoft.com/office/drawing/2010/main" val="0"/>
+              </a:ext>
+            </a:extLst>
+          </a:blip>
+          <a:srcRect/>
+          <a:stretch>
+            <a:fillRect/>
+          </a:stretch>
+        </p:blipFill>
+        <p:spPr bwMode="auto">
+          <a:xfrm>
+            <a:off x="2416797" y="4426861"/>
+            <a:ext cx="7032003" cy="2298617"/>
+          </a:xfrm>
+          <a:prstGeom prst="rect">
+            <a:avLst/>
+          </a:prstGeom>
+          <a:noFill/>
+          <a:extLst>
+            <a:ext uri="{909E8E84-426E-40DD-AFC4-6F175D3DCCD1}">
+              <a14:hiddenFill xmlns:a14="http://schemas.microsoft.com/office/drawing/2010/main">
+                <a:solidFill>
+                  <a:srgbClr val="FFFFFF"/>
+                </a:solidFill>
+              </a14:hiddenFill>
+            </a:ext>
+          </a:extLst>
+        </p:spPr>
+      </p:pic>
+    </p:spTree>
+    <p:extLst>
+      <p:ext uri="{BB962C8B-B14F-4D97-AF65-F5344CB8AC3E}">
+        <p14:creationId xmlns:p14="http://schemas.microsoft.com/office/powerpoint/2010/main" val="185837483"/>
+      </p:ext>
+    </p:extLst>
+  </p:cSld>
+  <p:clrMapOvr>
+    <a:masterClrMapping/>
+  </p:clrMapOvr>
+</p:sld>
+</file>
+
+<file path=ppt/slides/slide22.xml><?xml version="1.0" encoding="utf-8"?>
+<p:sld xmlns:a="http://schemas.openxmlformats.org/drawingml/2006/main" xmlns:r="http://schemas.openxmlformats.org/officeDocument/2006/relationships" xmlns:p="http://schemas.openxmlformats.org/presentationml/2006/main">
+  <p:cSld>
+    <p:spTree>
+      <p:nvGrpSpPr>
+        <p:cNvPr id="1" name=""/>
+        <p:cNvGrpSpPr/>
+        <p:nvPr/>
+      </p:nvGrpSpPr>
+      <p:grpSpPr>
+        <a:xfrm>
+          <a:off x="0" y="0"/>
+          <a:ext cx="0" cy="0"/>
+          <a:chOff x="0" y="0"/>
+          <a:chExt cx="0" cy="0"/>
+        </a:xfrm>
+      </p:grpSpPr>
+      <p:sp>
+        <p:nvSpPr>
+          <p:cNvPr id="3" name="Marcador de contenido 2"/>
+          <p:cNvSpPr>
+            <a:spLocks noGrp="1"/>
+          </p:cNvSpPr>
+          <p:nvPr>
+            <p:ph idx="1"/>
+          </p:nvPr>
+        </p:nvSpPr>
+        <p:spPr>
+          <a:xfrm>
+            <a:off x="838199" y="3617844"/>
+            <a:ext cx="10515600" cy="3057276"/>
+          </a:xfrm>
+        </p:spPr>
+        <p:txBody>
+          <a:bodyPr>
+            <a:normAutofit fontScale="62500" lnSpcReduction="20000"/>
+          </a:bodyPr>
+          <a:lstStyle/>
+          <a:p>
+            <a:pPr algn="just"/>
+            <a:r>
               <a:rPr lang="es-PE" dirty="0"/>
               <a:t>El poder sobre los cuerpos, así, debería retraerse a la voluntad, en donde el concepto de “cuerpo </a:t>
             </a:r>
@@ -4983,10 +5534,18 @@
             </a:r>
             <a:r>
               <a:rPr lang="es-PE" dirty="0"/>
-              <a:t>” llena el vacío de la razones que los individuos manifiestan en su resistencia a una normatividad excluyente. Desde la periferia, lo </a:t>
-            </a:r>
-            <a:r>
-              <a:rPr lang="es-PE" dirty="0" err="1"/>
+              <a:t>” llena el vacío de </a:t>
+            </a:r>
+            <a:r>
+              <a:rPr lang="es-PE" dirty="0" smtClean="0"/>
+              <a:t>las </a:t>
+            </a:r>
+            <a:r>
+              <a:rPr lang="es-PE" dirty="0"/>
+              <a:t>razones que los individuos manifiestan en su resistencia a una normatividad excluyente. Desde la periferia, lo </a:t>
+            </a:r>
+            <a:r>
+              <a:rPr lang="es-PE" i="1" dirty="0" err="1"/>
               <a:t>queer</a:t>
             </a:r>
             <a:r>
@@ -5058,6 +5617,122 @@
     <p:extLst>
       <p:ext uri="{BB962C8B-B14F-4D97-AF65-F5344CB8AC3E}">
         <p14:creationId xmlns:p14="http://schemas.microsoft.com/office/powerpoint/2010/main" val="793307585"/>
+      </p:ext>
+    </p:extLst>
+  </p:cSld>
+  <p:clrMapOvr>
+    <a:masterClrMapping/>
+  </p:clrMapOvr>
+</p:sld>
+</file>
+
+<file path=ppt/slides/slide23.xml><?xml version="1.0" encoding="utf-8"?>
+<p:sld xmlns:a="http://schemas.openxmlformats.org/drawingml/2006/main" xmlns:r="http://schemas.openxmlformats.org/officeDocument/2006/relationships" xmlns:p="http://schemas.openxmlformats.org/presentationml/2006/main">
+  <p:cSld>
+    <p:spTree>
+      <p:nvGrpSpPr>
+        <p:cNvPr id="1" name=""/>
+        <p:cNvGrpSpPr/>
+        <p:nvPr/>
+      </p:nvGrpSpPr>
+      <p:grpSpPr>
+        <a:xfrm>
+          <a:off x="0" y="0"/>
+          <a:ext cx="0" cy="0"/>
+          <a:chOff x="0" y="0"/>
+          <a:chExt cx="0" cy="0"/>
+        </a:xfrm>
+      </p:grpSpPr>
+      <p:sp>
+        <p:nvSpPr>
+          <p:cNvPr id="3" name="Marcador de contenido 2"/>
+          <p:cNvSpPr>
+            <a:spLocks noGrp="1"/>
+          </p:cNvSpPr>
+          <p:nvPr>
+            <p:ph idx="1"/>
+          </p:nvPr>
+        </p:nvSpPr>
+        <p:spPr>
+          <a:xfrm>
+            <a:off x="838200" y="222069"/>
+            <a:ext cx="5562600" cy="6230982"/>
+          </a:xfrm>
+        </p:spPr>
+        <p:txBody>
+          <a:bodyPr>
+            <a:normAutofit fontScale="92500" lnSpcReduction="20000"/>
+          </a:bodyPr>
+          <a:lstStyle/>
+          <a:p>
+            <a:pPr algn="just"/>
+            <a:r>
+              <a:rPr lang="es-PE" dirty="0" smtClean="0"/>
+              <a:t>Finalmente, pensar una reglamentación del género, podría interpretarse como una coacción o violencia a la libertad de identidad. Al mismo tiempo, hemos podido considerar que el género no prexiste ante la reglamentación, de modo que se concreta al establecer los criterios y orientaciones de la normatividad misma.</a:t>
+            </a:r>
+          </a:p>
+          <a:p>
+            <a:pPr algn="just"/>
+            <a:r>
+              <a:rPr lang="es-PE" dirty="0" smtClean="0"/>
+              <a:t>Así, podemos plantear que el discurso forma y constituye a los individuos con una reglamentación implícita de género que es lícito cuestionar. </a:t>
+            </a:r>
+          </a:p>
+          <a:p>
+            <a:pPr algn="just"/>
+            <a:r>
+              <a:rPr lang="es-PE" dirty="0" smtClean="0"/>
+              <a:t>Respecto a las normas sociales, de no adaptarse para incluir lo distinto, vemos entonces la negación de posibilidad de realización o reconocimiento que lo distinto, (y lo que transgrede lo binario), merece.</a:t>
+            </a:r>
+            <a:endParaRPr lang="es-PE" dirty="0"/>
+          </a:p>
+        </p:txBody>
+      </p:sp>
+      <p:pic>
+        <p:nvPicPr>
+          <p:cNvPr id="3074" name="Picture 2" descr="Image result for resistencia gay"/>
+          <p:cNvPicPr>
+            <a:picLocks noChangeAspect="1" noChangeArrowheads="1"/>
+          </p:cNvPicPr>
+          <p:nvPr/>
+        </p:nvPicPr>
+        <p:blipFill>
+          <a:blip r:embed="rId2">
+            <a:extLst>
+              <a:ext uri="{28A0092B-C50C-407E-A947-70E740481C1C}">
+                <a14:useLocalDpi xmlns:a14="http://schemas.microsoft.com/office/drawing/2010/main" val="0"/>
+              </a:ext>
+            </a:extLst>
+          </a:blip>
+          <a:srcRect/>
+          <a:stretch>
+            <a:fillRect/>
+          </a:stretch>
+        </p:blipFill>
+        <p:spPr bwMode="auto">
+          <a:xfrm>
+            <a:off x="6942321" y="897299"/>
+            <a:ext cx="4536847" cy="4536849"/>
+          </a:xfrm>
+          <a:prstGeom prst="rect">
+            <a:avLst/>
+          </a:prstGeom>
+          <a:noFill/>
+          <a:extLst>
+            <a:ext uri="{909E8E84-426E-40DD-AFC4-6F175D3DCCD1}">
+              <a14:hiddenFill xmlns:a14="http://schemas.microsoft.com/office/drawing/2010/main">
+                <a:solidFill>
+                  <a:srgbClr val="FFFFFF"/>
+                </a:solidFill>
+              </a14:hiddenFill>
+            </a:ext>
+          </a:extLst>
+        </p:spPr>
+      </p:pic>
+    </p:spTree>
+    <p:extLst>
+      <p:ext uri="{BB962C8B-B14F-4D97-AF65-F5344CB8AC3E}">
+        <p14:creationId xmlns:p14="http://schemas.microsoft.com/office/powerpoint/2010/main" val="3265843741"/>
       </p:ext>
     </p:extLst>
   </p:cSld>
@@ -5471,11 +6146,7 @@
             </a:r>
             <a:r>
               <a:rPr lang="en-US" dirty="0" smtClean="0"/>
-              <a:t> </a:t>
-            </a:r>
-            <a:r>
-              <a:rPr lang="en-US" dirty="0" smtClean="0"/>
-              <a:t>ese </a:t>
+              <a:t> ese </a:t>
             </a:r>
             <a:r>
               <a:rPr lang="en-US" dirty="0" err="1" smtClean="0"/>
@@ -5483,11 +6154,7 @@
             </a:r>
             <a:r>
               <a:rPr lang="en-US" dirty="0" smtClean="0"/>
-              <a:t>: “To speak within these classical contexts of bodies that matter is not an idle pun, for to be material means to materialize, where the principle of that materialization is precisely what "matters" about that body, its very intelligibility. In this sense, to know the significance of something is to know how and why it matters, where "to matter" means at once "to materialize" and "to mean.“ ” (1993, p.32</a:t>
-            </a:r>
-            <a:r>
-              <a:rPr lang="en-US" dirty="0" smtClean="0"/>
-              <a:t>)</a:t>
+              <a:t>: “To speak within these classical contexts of bodies that matter is not an idle pun, for to be material means to materialize, where the principle of that materialization is precisely what "matters" about that body, its very intelligibility. In this sense, to know the significance of something is to know how and why it matters, where "to matter" means at once "to materialize" and "to mean.“ ” (1993, p.32)</a:t>
             </a:r>
           </a:p>
           <a:p>
@@ -6326,7 +6993,6 @@
               <a:rPr lang="en-US" dirty="0" smtClean="0"/>
               <a:t>”)</a:t>
             </a:r>
-            <a:endParaRPr lang="en-US" dirty="0" smtClean="0"/>
           </a:p>
           <a:p>
             <a:pPr algn="just"/>
@@ -6681,11 +7347,7 @@
             </a:r>
             <a:r>
               <a:rPr lang="es-MX" noProof="1"/>
-              <a:t>(en contra de lo planteado por </a:t>
-            </a:r>
-            <a:r>
-              <a:rPr lang="es-MX" noProof="1"/>
-              <a:t>Platón</a:t>
+              <a:t>(en contra de lo planteado por Platón</a:t>
             </a:r>
             <a:r>
               <a:rPr lang="es-MX" noProof="1" smtClean="0"/>
@@ -6712,11 +7374,7 @@
             </a:r>
             <a:r>
               <a:rPr lang="es-MX" noProof="1"/>
-              <a:t> (schema) que en algunos contextos sociales tradicionales asocia la materialidad femenina exclusivamente con lo reproductivo</a:t>
-            </a:r>
-            <a:r>
-              <a:rPr lang="es-MX" noProof="1"/>
-              <a:t>. </a:t>
+              <a:t> (schema) que en algunos contextos sociales tradicionales asocia la materialidad femenina exclusivamente con lo reproductivo. </a:t>
             </a:r>
             <a:r>
               <a:rPr lang="es-MX" noProof="1" smtClean="0"/>
@@ -7079,11 +7737,7 @@
             </a:r>
             <a:r>
               <a:rPr lang="es-MX" noProof="1"/>
-              <a:t> (Cfr. 1993. p. </a:t>
-            </a:r>
-            <a:r>
-              <a:rPr lang="es-MX" noProof="1"/>
-              <a:t>48</a:t>
+              <a:t> (Cfr. 1993. p. 48</a:t>
             </a:r>
             <a:r>
               <a:rPr lang="es-MX" noProof="1" smtClean="0"/>
@@ -7319,11 +7973,7 @@
             <a:pPr algn="just"/>
             <a:r>
               <a:rPr lang="es-PE" dirty="0" smtClean="0"/>
-              <a:t>Señalan que para Butler todo sujeto con su respectiva inteligibilidad social, identidad y corporeidad, se desarrolla y configura mediante el poder de la repetición normada, y en esa afirmación “se encuentran las limitaciones de su teoría”. (Cfr. 2017 p.84</a:t>
-            </a:r>
-            <a:r>
-              <a:rPr lang="es-PE" dirty="0" smtClean="0"/>
-              <a:t>)</a:t>
+              <a:t>Señalan que para Butler todo sujeto con su respectiva inteligibilidad social, identidad y corporeidad, se desarrolla y configura mediante el poder de la repetición normada, y en esa afirmación “se encuentran las limitaciones de su teoría”. (Cfr. 2017 p.84)</a:t>
             </a:r>
             <a:endParaRPr lang="es-PE" dirty="0"/>
           </a:p>
